--- a/documents/ROSについて.pptx
+++ b/documents/ROSについて.pptx
@@ -162,10 +162,17 @@
   <pc:docChgLst>
     <pc:chgData name="伊東 和輝" userId="bf4ca4db1ce74c5f" providerId="LiveId" clId="{90DE33F5-2E6B-43B0-BDB8-5C2857C92E03}"/>
     <pc:docChg chg="undo custSel addSld modSld">
-      <pc:chgData name="伊東 和輝" userId="bf4ca4db1ce74c5f" providerId="LiveId" clId="{90DE33F5-2E6B-43B0-BDB8-5C2857C92E03}" dt="2022-03-07T10:28:50.956" v="49" actId="1076"/>
+      <pc:chgData name="伊東 和輝" userId="bf4ca4db1ce74c5f" providerId="LiveId" clId="{90DE33F5-2E6B-43B0-BDB8-5C2857C92E03}" dt="2022-03-14T03:11:54.826" v="50" actId="729"/>
       <pc:docMkLst>
         <pc:docMk/>
       </pc:docMkLst>
+      <pc:sldChg chg="mod modShow">
+        <pc:chgData name="伊東 和輝" userId="bf4ca4db1ce74c5f" providerId="LiveId" clId="{90DE33F5-2E6B-43B0-BDB8-5C2857C92E03}" dt="2022-03-14T03:11:54.826" v="50" actId="729"/>
+        <pc:sldMkLst>
+          <pc:docMk/>
+          <pc:sldMk cId="3250269132" sldId="273"/>
+        </pc:sldMkLst>
+      </pc:sldChg>
       <pc:sldChg chg="addSp delSp modSp new mod">
         <pc:chgData name="伊東 和輝" userId="bf4ca4db1ce74c5f" providerId="LiveId" clId="{90DE33F5-2E6B-43B0-BDB8-5C2857C92E03}" dt="2022-03-07T10:28:50.956" v="49" actId="1076"/>
         <pc:sldMkLst>
@@ -4966,7 +4973,7 @@
           <a:p>
             <a:fld id="{74387003-EFD4-4C7B-82FE-4474976B8DCC}" type="datetimeFigureOut">
               <a:rPr kumimoji="1" lang="ja-JP" altLang="en-US" smtClean="0"/>
-              <a:t>2022/3/7</a:t>
+              <a:t>2022/3/14</a:t>
             </a:fld>
             <a:endParaRPr kumimoji="1" lang="ja-JP" altLang="en-US"/>
           </a:p>
@@ -6961,7 +6968,7 @@
           <a:p>
             <a:fld id="{9B32D8A8-2F96-FF49-BA68-0092F9030795}" type="datetimeFigureOut">
               <a:rPr kumimoji="1" lang="ja-JP" altLang="en-US" smtClean="0"/>
-              <a:t>2022/3/7</a:t>
+              <a:t>2022/3/14</a:t>
             </a:fld>
             <a:endParaRPr kumimoji="1" lang="ja-JP" altLang="en-US"/>
           </a:p>
@@ -7191,7 +7198,7 @@
           <a:p>
             <a:fld id="{9B32D8A8-2F96-FF49-BA68-0092F9030795}" type="datetimeFigureOut">
               <a:rPr kumimoji="1" lang="ja-JP" altLang="en-US" smtClean="0"/>
-              <a:t>2022/3/7</a:t>
+              <a:t>2022/3/14</a:t>
             </a:fld>
             <a:endParaRPr kumimoji="1" lang="ja-JP" altLang="en-US"/>
           </a:p>
@@ -7431,7 +7438,7 @@
           <a:p>
             <a:fld id="{9B32D8A8-2F96-FF49-BA68-0092F9030795}" type="datetimeFigureOut">
               <a:rPr kumimoji="1" lang="ja-JP" altLang="en-US" smtClean="0"/>
-              <a:t>2022/3/7</a:t>
+              <a:t>2022/3/14</a:t>
             </a:fld>
             <a:endParaRPr kumimoji="1" lang="ja-JP" altLang="en-US"/>
           </a:p>
@@ -7661,7 +7668,7 @@
           <a:p>
             <a:fld id="{9B32D8A8-2F96-FF49-BA68-0092F9030795}" type="datetimeFigureOut">
               <a:rPr kumimoji="1" lang="ja-JP" altLang="en-US" smtClean="0"/>
-              <a:t>2022/3/7</a:t>
+              <a:t>2022/3/14</a:t>
             </a:fld>
             <a:endParaRPr kumimoji="1" lang="ja-JP" altLang="en-US"/>
           </a:p>
@@ -7936,7 +7943,7 @@
           <a:p>
             <a:fld id="{9B32D8A8-2F96-FF49-BA68-0092F9030795}" type="datetimeFigureOut">
               <a:rPr kumimoji="1" lang="ja-JP" altLang="en-US" smtClean="0"/>
-              <a:t>2022/3/7</a:t>
+              <a:t>2022/3/14</a:t>
             </a:fld>
             <a:endParaRPr kumimoji="1" lang="ja-JP" altLang="en-US"/>
           </a:p>
@@ -8265,7 +8272,7 @@
           <a:p>
             <a:fld id="{9B32D8A8-2F96-FF49-BA68-0092F9030795}" type="datetimeFigureOut">
               <a:rPr kumimoji="1" lang="ja-JP" altLang="en-US" smtClean="0"/>
-              <a:t>2022/3/7</a:t>
+              <a:t>2022/3/14</a:t>
             </a:fld>
             <a:endParaRPr kumimoji="1" lang="ja-JP" altLang="en-US"/>
           </a:p>
@@ -8741,7 +8748,7 @@
           <a:p>
             <a:fld id="{9B32D8A8-2F96-FF49-BA68-0092F9030795}" type="datetimeFigureOut">
               <a:rPr kumimoji="1" lang="ja-JP" altLang="en-US" smtClean="0"/>
-              <a:t>2022/3/7</a:t>
+              <a:t>2022/3/14</a:t>
             </a:fld>
             <a:endParaRPr kumimoji="1" lang="ja-JP" altLang="en-US"/>
           </a:p>
@@ -8882,7 +8889,7 @@
           <a:p>
             <a:fld id="{9B32D8A8-2F96-FF49-BA68-0092F9030795}" type="datetimeFigureOut">
               <a:rPr kumimoji="1" lang="ja-JP" altLang="en-US" smtClean="0"/>
-              <a:t>2022/3/7</a:t>
+              <a:t>2022/3/14</a:t>
             </a:fld>
             <a:endParaRPr kumimoji="1" lang="ja-JP" altLang="en-US"/>
           </a:p>
@@ -8995,7 +9002,7 @@
           <a:p>
             <a:fld id="{9B32D8A8-2F96-FF49-BA68-0092F9030795}" type="datetimeFigureOut">
               <a:rPr kumimoji="1" lang="ja-JP" altLang="en-US" smtClean="0"/>
-              <a:t>2022/3/7</a:t>
+              <a:t>2022/3/14</a:t>
             </a:fld>
             <a:endParaRPr kumimoji="1" lang="ja-JP" altLang="en-US"/>
           </a:p>
@@ -9338,7 +9345,7 @@
           <a:p>
             <a:fld id="{9B32D8A8-2F96-FF49-BA68-0092F9030795}" type="datetimeFigureOut">
               <a:rPr kumimoji="1" lang="ja-JP" altLang="en-US" smtClean="0"/>
-              <a:t>2022/3/7</a:t>
+              <a:t>2022/3/14</a:t>
             </a:fld>
             <a:endParaRPr kumimoji="1" lang="ja-JP" altLang="en-US"/>
           </a:p>
@@ -9626,7 +9633,7 @@
           <a:p>
             <a:fld id="{9B32D8A8-2F96-FF49-BA68-0092F9030795}" type="datetimeFigureOut">
               <a:rPr kumimoji="1" lang="ja-JP" altLang="en-US" smtClean="0"/>
-              <a:t>2022/3/7</a:t>
+              <a:t>2022/3/14</a:t>
             </a:fld>
             <a:endParaRPr kumimoji="1" lang="ja-JP" altLang="en-US"/>
           </a:p>
@@ -9899,7 +9906,7 @@
           <a:p>
             <a:fld id="{9B32D8A8-2F96-FF49-BA68-0092F9030795}" type="datetimeFigureOut">
               <a:rPr kumimoji="1" lang="ja-JP" altLang="en-US" smtClean="0"/>
-              <a:t>2022/3/7</a:t>
+              <a:t>2022/3/14</a:t>
             </a:fld>
             <a:endParaRPr kumimoji="1" lang="ja-JP" altLang="en-US"/>
           </a:p>
@@ -20167,7 +20174,7 @@
 </file>
 
 <file path=ppt/slides/slide4.xml><?xml version="1.0" encoding="utf-8"?>
-<p:sld xmlns:a="http://schemas.openxmlformats.org/drawingml/2006/main" xmlns:r="http://schemas.openxmlformats.org/officeDocument/2006/relationships" xmlns:p="http://schemas.openxmlformats.org/presentationml/2006/main">
+<p:sld xmlns:a="http://schemas.openxmlformats.org/drawingml/2006/main" xmlns:r="http://schemas.openxmlformats.org/officeDocument/2006/relationships" xmlns:p="http://schemas.openxmlformats.org/presentationml/2006/main" show="0">
   <p:cSld>
     <p:spTree>
       <p:nvGrpSpPr>
